--- a/Cours_seance_0_2020.pptx
+++ b/Cours_seance_0_2020.pptx
@@ -212,7 +212,7 @@
           <a:p>
             <a:fld id="{68407A44-ACB3-49FA-BFDD-E508664716F1}" type="datetimeFigureOut">
               <a:rPr lang="fr-FR" smtClean="0"/>
-              <a:t>28/08/2020</a:t>
+              <a:t>14/09/2020</a:t>
             </a:fld>
             <a:endParaRPr lang="fr-FR"/>
           </a:p>
@@ -3156,8 +3156,8 @@
           </a:p>
         </p:txBody>
       </p:sp>
-      <mc:AlternateContent xmlns:mc="http://schemas.openxmlformats.org/markup-compatibility/2006">
-        <mc:Choice xmlns:a14="http://schemas.microsoft.com/office/drawing/2010/main" Requires="a14">
+      <mc:AlternateContent xmlns:mc="http://schemas.openxmlformats.org/markup-compatibility/2006" xmlns:a14="http://schemas.microsoft.com/office/drawing/2010/main">
+        <mc:Choice Requires="a14">
           <p:sp>
             <p:nvSpPr>
               <p:cNvPr id="5" name="Content Placeholder 4">
@@ -3214,11 +3214,7 @@
               <a:p>
                 <a:r>
                   <a:rPr lang="fr-FR" dirty="0" smtClean="0"/>
-                  <a:t>Triangle </a:t>
-                </a:r>
-                <a:r>
-                  <a:rPr lang="fr-FR" dirty="0" smtClean="0"/>
-                  <a:t>rectangle:</a:t>
+                  <a:t>Triangle rectangle:</a:t>
                 </a:r>
                 <a:endParaRPr lang="fr-FR" dirty="0"/>
               </a:p>
@@ -3502,7 +3498,7 @@
             </p:txBody>
           </p:sp>
         </mc:Choice>
-        <mc:Fallback>
+        <mc:Fallback xmlns="">
           <p:sp>
             <p:nvSpPr>
               <p:cNvPr id="5" name="Content Placeholder 4">
@@ -3946,7 +3942,314 @@
   <p:timing>
     <p:tnLst>
       <p:par>
-        <p:cTn id="1" dur="indefinite" restart="never" nodeType="tmRoot"/>
+        <p:cTn id="1" dur="indefinite" restart="never" nodeType="tmRoot">
+          <p:childTnLst>
+            <p:seq concurrent="1" nextAc="seek">
+              <p:cTn id="2" dur="indefinite" nodeType="mainSeq">
+                <p:childTnLst>
+                  <p:par>
+                    <p:cTn id="3" fill="hold">
+                      <p:stCondLst>
+                        <p:cond delay="indefinite"/>
+                      </p:stCondLst>
+                      <p:childTnLst>
+                        <p:par>
+                          <p:cTn id="4" fill="hold">
+                            <p:stCondLst>
+                              <p:cond delay="0"/>
+                            </p:stCondLst>
+                            <p:childTnLst>
+                              <p:par>
+                                <p:cTn id="5" presetID="1" presetClass="entr" presetSubtype="0" fill="hold" nodeType="clickEffect">
+                                  <p:stCondLst>
+                                    <p:cond delay="0"/>
+                                  </p:stCondLst>
+                                  <p:childTnLst>
+                                    <p:set>
+                                      <p:cBhvr>
+                                        <p:cTn id="6" dur="1" fill="hold">
+                                          <p:stCondLst>
+                                            <p:cond delay="0"/>
+                                          </p:stCondLst>
+                                        </p:cTn>
+                                        <p:tgtEl>
+                                          <p:spTgt spid="5">
+                                            <p:txEl>
+                                              <p:pRg st="3" end="3"/>
+                                            </p:txEl>
+                                          </p:spTgt>
+                                        </p:tgtEl>
+                                        <p:attrNameLst>
+                                          <p:attrName>style.visibility</p:attrName>
+                                        </p:attrNameLst>
+                                      </p:cBhvr>
+                                      <p:to>
+                                        <p:strVal val="visible"/>
+                                      </p:to>
+                                    </p:set>
+                                  </p:childTnLst>
+                                </p:cTn>
+                              </p:par>
+                              <p:par>
+                                <p:cTn id="7" presetID="1" presetClass="entr" presetSubtype="0" fill="hold" nodeType="withEffect">
+                                  <p:stCondLst>
+                                    <p:cond delay="0"/>
+                                  </p:stCondLst>
+                                  <p:childTnLst>
+                                    <p:set>
+                                      <p:cBhvr>
+                                        <p:cTn id="8" dur="1" fill="hold">
+                                          <p:stCondLst>
+                                            <p:cond delay="0"/>
+                                          </p:stCondLst>
+                                        </p:cTn>
+                                        <p:tgtEl>
+                                          <p:spTgt spid="5">
+                                            <p:txEl>
+                                              <p:pRg st="4" end="4"/>
+                                            </p:txEl>
+                                          </p:spTgt>
+                                        </p:tgtEl>
+                                        <p:attrNameLst>
+                                          <p:attrName>style.visibility</p:attrName>
+                                        </p:attrNameLst>
+                                      </p:cBhvr>
+                                      <p:to>
+                                        <p:strVal val="visible"/>
+                                      </p:to>
+                                    </p:set>
+                                  </p:childTnLst>
+                                </p:cTn>
+                              </p:par>
+                              <p:par>
+                                <p:cTn id="9" presetID="1" presetClass="entr" presetSubtype="0" fill="hold" nodeType="withEffect">
+                                  <p:stCondLst>
+                                    <p:cond delay="0"/>
+                                  </p:stCondLst>
+                                  <p:childTnLst>
+                                    <p:set>
+                                      <p:cBhvr>
+                                        <p:cTn id="10" dur="1" fill="hold">
+                                          <p:stCondLst>
+                                            <p:cond delay="0"/>
+                                          </p:stCondLst>
+                                        </p:cTn>
+                                        <p:tgtEl>
+                                          <p:spTgt spid="5">
+                                            <p:txEl>
+                                              <p:pRg st="5" end="5"/>
+                                            </p:txEl>
+                                          </p:spTgt>
+                                        </p:tgtEl>
+                                        <p:attrNameLst>
+                                          <p:attrName>style.visibility</p:attrName>
+                                        </p:attrNameLst>
+                                      </p:cBhvr>
+                                      <p:to>
+                                        <p:strVal val="visible"/>
+                                      </p:to>
+                                    </p:set>
+                                  </p:childTnLst>
+                                </p:cTn>
+                              </p:par>
+                            </p:childTnLst>
+                          </p:cTn>
+                        </p:par>
+                      </p:childTnLst>
+                    </p:cTn>
+                  </p:par>
+                  <p:par>
+                    <p:cTn id="11" fill="hold">
+                      <p:stCondLst>
+                        <p:cond delay="indefinite"/>
+                      </p:stCondLst>
+                      <p:childTnLst>
+                        <p:par>
+                          <p:cTn id="12" fill="hold">
+                            <p:stCondLst>
+                              <p:cond delay="0"/>
+                            </p:stCondLst>
+                            <p:childTnLst>
+                              <p:par>
+                                <p:cTn id="13" presetID="1" presetClass="entr" presetSubtype="0" fill="hold" nodeType="clickEffect">
+                                  <p:stCondLst>
+                                    <p:cond delay="0"/>
+                                  </p:stCondLst>
+                                  <p:childTnLst>
+                                    <p:set>
+                                      <p:cBhvr>
+                                        <p:cTn id="14" dur="1" fill="hold">
+                                          <p:stCondLst>
+                                            <p:cond delay="0"/>
+                                          </p:stCondLst>
+                                        </p:cTn>
+                                        <p:tgtEl>
+                                          <p:spTgt spid="5">
+                                            <p:txEl>
+                                              <p:pRg st="6" end="6"/>
+                                            </p:txEl>
+                                          </p:spTgt>
+                                        </p:tgtEl>
+                                        <p:attrNameLst>
+                                          <p:attrName>style.visibility</p:attrName>
+                                        </p:attrNameLst>
+                                      </p:cBhvr>
+                                      <p:to>
+                                        <p:strVal val="visible"/>
+                                      </p:to>
+                                    </p:set>
+                                  </p:childTnLst>
+                                </p:cTn>
+                              </p:par>
+                              <p:par>
+                                <p:cTn id="15" presetID="1" presetClass="entr" presetSubtype="0" fill="hold" nodeType="withEffect">
+                                  <p:stCondLst>
+                                    <p:cond delay="0"/>
+                                  </p:stCondLst>
+                                  <p:childTnLst>
+                                    <p:set>
+                                      <p:cBhvr>
+                                        <p:cTn id="16" dur="1" fill="hold">
+                                          <p:stCondLst>
+                                            <p:cond delay="0"/>
+                                          </p:stCondLst>
+                                        </p:cTn>
+                                        <p:tgtEl>
+                                          <p:spTgt spid="5">
+                                            <p:txEl>
+                                              <p:pRg st="7" end="7"/>
+                                            </p:txEl>
+                                          </p:spTgt>
+                                        </p:tgtEl>
+                                        <p:attrNameLst>
+                                          <p:attrName>style.visibility</p:attrName>
+                                        </p:attrNameLst>
+                                      </p:cBhvr>
+                                      <p:to>
+                                        <p:strVal val="visible"/>
+                                      </p:to>
+                                    </p:set>
+                                  </p:childTnLst>
+                                </p:cTn>
+                              </p:par>
+                              <p:par>
+                                <p:cTn id="17" presetID="1" presetClass="entr" presetSubtype="0" fill="hold" nodeType="withEffect">
+                                  <p:stCondLst>
+                                    <p:cond delay="0"/>
+                                  </p:stCondLst>
+                                  <p:childTnLst>
+                                    <p:set>
+                                      <p:cBhvr>
+                                        <p:cTn id="18" dur="1" fill="hold">
+                                          <p:stCondLst>
+                                            <p:cond delay="0"/>
+                                          </p:stCondLst>
+                                        </p:cTn>
+                                        <p:tgtEl>
+                                          <p:spTgt spid="5">
+                                            <p:txEl>
+                                              <p:pRg st="8" end="8"/>
+                                            </p:txEl>
+                                          </p:spTgt>
+                                        </p:tgtEl>
+                                        <p:attrNameLst>
+                                          <p:attrName>style.visibility</p:attrName>
+                                        </p:attrNameLst>
+                                      </p:cBhvr>
+                                      <p:to>
+                                        <p:strVal val="visible"/>
+                                      </p:to>
+                                    </p:set>
+                                  </p:childTnLst>
+                                </p:cTn>
+                              </p:par>
+                              <p:par>
+                                <p:cTn id="19" presetID="1" presetClass="entr" presetSubtype="0" fill="hold" nodeType="withEffect">
+                                  <p:stCondLst>
+                                    <p:cond delay="0"/>
+                                  </p:stCondLst>
+                                  <p:childTnLst>
+                                    <p:set>
+                                      <p:cBhvr>
+                                        <p:cTn id="20" dur="1" fill="hold">
+                                          <p:stCondLst>
+                                            <p:cond delay="0"/>
+                                          </p:stCondLst>
+                                        </p:cTn>
+                                        <p:tgtEl>
+                                          <p:spTgt spid="5">
+                                            <p:txEl>
+                                              <p:pRg st="9" end="9"/>
+                                            </p:txEl>
+                                          </p:spTgt>
+                                        </p:tgtEl>
+                                        <p:attrNameLst>
+                                          <p:attrName>style.visibility</p:attrName>
+                                        </p:attrNameLst>
+                                      </p:cBhvr>
+                                      <p:to>
+                                        <p:strVal val="visible"/>
+                                      </p:to>
+                                    </p:set>
+                                  </p:childTnLst>
+                                </p:cTn>
+                              </p:par>
+                              <p:par>
+                                <p:cTn id="21" presetID="1" presetClass="entr" presetSubtype="0" fill="hold" nodeType="withEffect">
+                                  <p:stCondLst>
+                                    <p:cond delay="0"/>
+                                  </p:stCondLst>
+                                  <p:childTnLst>
+                                    <p:set>
+                                      <p:cBhvr>
+                                        <p:cTn id="22" dur="1" fill="hold">
+                                          <p:stCondLst>
+                                            <p:cond delay="0"/>
+                                          </p:stCondLst>
+                                        </p:cTn>
+                                        <p:tgtEl>
+                                          <p:spTgt spid="5">
+                                            <p:txEl>
+                                              <p:pRg st="10" end="10"/>
+                                            </p:txEl>
+                                          </p:spTgt>
+                                        </p:tgtEl>
+                                        <p:attrNameLst>
+                                          <p:attrName>style.visibility</p:attrName>
+                                        </p:attrNameLst>
+                                      </p:cBhvr>
+                                      <p:to>
+                                        <p:strVal val="visible"/>
+                                      </p:to>
+                                    </p:set>
+                                  </p:childTnLst>
+                                </p:cTn>
+                              </p:par>
+                            </p:childTnLst>
+                          </p:cTn>
+                        </p:par>
+                      </p:childTnLst>
+                    </p:cTn>
+                  </p:par>
+                </p:childTnLst>
+              </p:cTn>
+              <p:prevCondLst>
+                <p:cond evt="onPrev" delay="0">
+                  <p:tgtEl>
+                    <p:sldTgt/>
+                  </p:tgtEl>
+                </p:cond>
+              </p:prevCondLst>
+              <p:nextCondLst>
+                <p:cond evt="onNext" delay="0">
+                  <p:tgtEl>
+                    <p:sldTgt/>
+                  </p:tgtEl>
+                </p:cond>
+              </p:nextCondLst>
+            </p:seq>
+          </p:childTnLst>
+        </p:cTn>
       </p:par>
     </p:tnLst>
   </p:timing>
@@ -6369,8 +6672,8 @@
           </p:sp>
         </mc:Fallback>
       </mc:AlternateContent>
-      <mc:AlternateContent xmlns:mc="http://schemas.openxmlformats.org/markup-compatibility/2006" xmlns:a14="http://schemas.microsoft.com/office/drawing/2010/main">
-        <mc:Choice Requires="a14">
+      <mc:AlternateContent xmlns:mc="http://schemas.openxmlformats.org/markup-compatibility/2006">
+        <mc:Choice xmlns:a14="http://schemas.microsoft.com/office/drawing/2010/main" Requires="a14">
           <p:sp>
             <p:nvSpPr>
               <p:cNvPr id="2" name="ZoneTexte 1"/>
@@ -6708,7 +7011,25 @@
                           </a:solidFill>
                           <a:latin typeface="Cambria Math" panose="02040503050406030204" pitchFamily="18" charset="0"/>
                         </a:rPr>
-                        <m:t>54,56°</m:t>
+                        <m:t>54,</m:t>
+                      </m:r>
+                      <m:r>
+                        <a:rPr lang="fr-FR" sz="2000" b="0" i="1" smtClean="0">
+                          <a:solidFill>
+                            <a:srgbClr val="FF0000"/>
+                          </a:solidFill>
+                          <a:latin typeface="Cambria Math" panose="02040503050406030204" pitchFamily="18" charset="0"/>
+                        </a:rPr>
+                        <m:t>4</m:t>
+                      </m:r>
+                      <m:r>
+                        <a:rPr lang="fr-FR" sz="2000" b="0" i="1" smtClean="0">
+                          <a:solidFill>
+                            <a:srgbClr val="FF0000"/>
+                          </a:solidFill>
+                          <a:latin typeface="Cambria Math" panose="02040503050406030204" pitchFamily="18" charset="0"/>
+                        </a:rPr>
+                        <m:t>6°</m:t>
                       </m:r>
                     </m:oMath>
                   </m:oMathPara>
@@ -7019,7 +7340,25 @@
                           </a:solidFill>
                           <a:latin typeface="Cambria Math" panose="02040503050406030204" pitchFamily="18" charset="0"/>
                         </a:rPr>
-                        <m:t>=35,44°</m:t>
+                        <m:t>=35,</m:t>
+                      </m:r>
+                      <m:r>
+                        <a:rPr lang="fr-FR" sz="2000" b="0" i="1" smtClean="0">
+                          <a:solidFill>
+                            <a:srgbClr val="FF0000"/>
+                          </a:solidFill>
+                          <a:latin typeface="Cambria Math" panose="02040503050406030204" pitchFamily="18" charset="0"/>
+                        </a:rPr>
+                        <m:t>5</m:t>
+                      </m:r>
+                      <m:r>
+                        <a:rPr lang="fr-FR" sz="2000" b="0" i="1" smtClean="0">
+                          <a:solidFill>
+                            <a:srgbClr val="FF0000"/>
+                          </a:solidFill>
+                          <a:latin typeface="Cambria Math" panose="02040503050406030204" pitchFamily="18" charset="0"/>
+                        </a:rPr>
+                        <m:t>4°</m:t>
                       </m:r>
                     </m:oMath>
                   </m:oMathPara>
@@ -7676,7 +8015,7 @@
             </p:txBody>
           </p:sp>
         </mc:Choice>
-        <mc:Fallback xmlns="">
+        <mc:Fallback>
           <p:sp>
             <p:nvSpPr>
               <p:cNvPr id="2" name="ZoneTexte 1"/>
@@ -7776,15 +8115,33 @@
                                   </p:childTnLst>
                                 </p:cTn>
                               </p:par>
+                            </p:childTnLst>
+                          </p:cTn>
+                        </p:par>
+                      </p:childTnLst>
+                    </p:cTn>
+                  </p:par>
+                  <p:par>
+                    <p:cTn id="7" fill="hold">
+                      <p:stCondLst>
+                        <p:cond delay="indefinite"/>
+                      </p:stCondLst>
+                      <p:childTnLst>
+                        <p:par>
+                          <p:cTn id="8" fill="hold">
+                            <p:stCondLst>
+                              <p:cond delay="0"/>
+                            </p:stCondLst>
+                            <p:childTnLst>
                               <p:par>
-                                <p:cTn id="7" presetID="1" presetClass="entr" presetSubtype="0" fill="hold" nodeType="withEffect">
+                                <p:cTn id="9" presetID="1" presetClass="entr" presetSubtype="0" fill="hold" nodeType="clickEffect">
                                   <p:stCondLst>
                                     <p:cond delay="0"/>
                                   </p:stCondLst>
                                   <p:childTnLst>
                                     <p:set>
                                       <p:cBhvr>
-                                        <p:cTn id="8" dur="1" fill="hold">
+                                        <p:cTn id="10" dur="1" fill="hold">
                                           <p:stCondLst>
                                             <p:cond delay="0"/>
                                           </p:stCondLst>
@@ -7814,26 +8171,26 @@
                     </p:cTn>
                   </p:par>
                   <p:par>
-                    <p:cTn id="9" fill="hold">
+                    <p:cTn id="11" fill="hold">
                       <p:stCondLst>
                         <p:cond delay="indefinite"/>
                       </p:stCondLst>
                       <p:childTnLst>
                         <p:par>
-                          <p:cTn id="10" fill="hold">
+                          <p:cTn id="12" fill="hold">
                             <p:stCondLst>
                               <p:cond delay="0"/>
                             </p:stCondLst>
                             <p:childTnLst>
                               <p:par>
-                                <p:cTn id="11" presetID="1" presetClass="entr" presetSubtype="0" fill="hold" nodeType="clickEffect">
+                                <p:cTn id="13" presetID="1" presetClass="entr" presetSubtype="0" fill="hold" nodeType="clickEffect">
                                   <p:stCondLst>
                                     <p:cond delay="0"/>
                                   </p:stCondLst>
                                   <p:childTnLst>
                                     <p:set>
                                       <p:cBhvr>
-                                        <p:cTn id="12" dur="1" fill="hold">
+                                        <p:cTn id="14" dur="1" fill="hold">
                                           <p:stCondLst>
                                             <p:cond delay="0"/>
                                           </p:stCondLst>
@@ -7863,26 +8220,26 @@
                     </p:cTn>
                   </p:par>
                   <p:par>
-                    <p:cTn id="13" fill="hold">
+                    <p:cTn id="15" fill="hold">
                       <p:stCondLst>
                         <p:cond delay="indefinite"/>
                       </p:stCondLst>
                       <p:childTnLst>
                         <p:par>
-                          <p:cTn id="14" fill="hold">
+                          <p:cTn id="16" fill="hold">
                             <p:stCondLst>
                               <p:cond delay="0"/>
                             </p:stCondLst>
                             <p:childTnLst>
                               <p:par>
-                                <p:cTn id="15" presetID="1" presetClass="entr" presetSubtype="0" fill="hold" nodeType="clickEffect">
+                                <p:cTn id="17" presetID="1" presetClass="entr" presetSubtype="0" fill="hold" nodeType="clickEffect">
                                   <p:stCondLst>
                                     <p:cond delay="0"/>
                                   </p:stCondLst>
                                   <p:childTnLst>
                                     <p:set>
                                       <p:cBhvr>
-                                        <p:cTn id="16" dur="1" fill="hold">
+                                        <p:cTn id="18" dur="1" fill="hold">
                                           <p:stCondLst>
                                             <p:cond delay="0"/>
                                           </p:stCondLst>
@@ -7912,26 +8269,26 @@
                     </p:cTn>
                   </p:par>
                   <p:par>
-                    <p:cTn id="17" fill="hold">
+                    <p:cTn id="19" fill="hold">
                       <p:stCondLst>
                         <p:cond delay="indefinite"/>
                       </p:stCondLst>
                       <p:childTnLst>
                         <p:par>
-                          <p:cTn id="18" fill="hold">
+                          <p:cTn id="20" fill="hold">
                             <p:stCondLst>
                               <p:cond delay="0"/>
                             </p:stCondLst>
                             <p:childTnLst>
                               <p:par>
-                                <p:cTn id="19" presetID="1" presetClass="entr" presetSubtype="0" fill="hold" nodeType="clickEffect">
+                                <p:cTn id="21" presetID="1" presetClass="entr" presetSubtype="0" fill="hold" nodeType="clickEffect">
                                   <p:stCondLst>
                                     <p:cond delay="0"/>
                                   </p:stCondLst>
                                   <p:childTnLst>
                                     <p:set>
                                       <p:cBhvr>
-                                        <p:cTn id="20" dur="1" fill="hold">
+                                        <p:cTn id="22" dur="1" fill="hold">
                                           <p:stCondLst>
                                             <p:cond delay="0"/>
                                           </p:stCondLst>
@@ -7961,26 +8318,26 @@
                     </p:cTn>
                   </p:par>
                   <p:par>
-                    <p:cTn id="21" fill="hold">
+                    <p:cTn id="23" fill="hold">
                       <p:stCondLst>
                         <p:cond delay="indefinite"/>
                       </p:stCondLst>
                       <p:childTnLst>
                         <p:par>
-                          <p:cTn id="22" fill="hold">
+                          <p:cTn id="24" fill="hold">
                             <p:stCondLst>
                               <p:cond delay="0"/>
                             </p:stCondLst>
                             <p:childTnLst>
                               <p:par>
-                                <p:cTn id="23" presetID="1" presetClass="entr" presetSubtype="0" fill="hold" nodeType="clickEffect">
+                                <p:cTn id="25" presetID="1" presetClass="entr" presetSubtype="0" fill="hold" nodeType="clickEffect">
                                   <p:stCondLst>
                                     <p:cond delay="0"/>
                                   </p:stCondLst>
                                   <p:childTnLst>
                                     <p:set>
                                       <p:cBhvr>
-                                        <p:cTn id="24" dur="1" fill="hold">
+                                        <p:cTn id="26" dur="1" fill="hold">
                                           <p:stCondLst>
                                             <p:cond delay="0"/>
                                           </p:stCondLst>
@@ -8010,26 +8367,26 @@
                     </p:cTn>
                   </p:par>
                   <p:par>
-                    <p:cTn id="25" fill="hold">
+                    <p:cTn id="27" fill="hold">
                       <p:stCondLst>
                         <p:cond delay="indefinite"/>
                       </p:stCondLst>
                       <p:childTnLst>
                         <p:par>
-                          <p:cTn id="26" fill="hold">
+                          <p:cTn id="28" fill="hold">
                             <p:stCondLst>
                               <p:cond delay="0"/>
                             </p:stCondLst>
                             <p:childTnLst>
                               <p:par>
-                                <p:cTn id="27" presetID="1" presetClass="entr" presetSubtype="0" fill="hold" nodeType="clickEffect">
+                                <p:cTn id="29" presetID="1" presetClass="entr" presetSubtype="0" fill="hold" nodeType="clickEffect">
                                   <p:stCondLst>
                                     <p:cond delay="0"/>
                                   </p:stCondLst>
                                   <p:childTnLst>
                                     <p:set>
                                       <p:cBhvr>
-                                        <p:cTn id="28" dur="1" fill="hold">
+                                        <p:cTn id="30" dur="1" fill="hold">
                                           <p:stCondLst>
                                             <p:cond delay="0"/>
                                           </p:stCondLst>
@@ -8059,26 +8416,26 @@
                     </p:cTn>
                   </p:par>
                   <p:par>
-                    <p:cTn id="29" fill="hold">
+                    <p:cTn id="31" fill="hold">
                       <p:stCondLst>
                         <p:cond delay="indefinite"/>
                       </p:stCondLst>
                       <p:childTnLst>
                         <p:par>
-                          <p:cTn id="30" fill="hold">
+                          <p:cTn id="32" fill="hold">
                             <p:stCondLst>
                               <p:cond delay="0"/>
                             </p:stCondLst>
                             <p:childTnLst>
                               <p:par>
-                                <p:cTn id="31" presetID="1" presetClass="entr" presetSubtype="0" fill="hold" nodeType="clickEffect">
+                                <p:cTn id="33" presetID="1" presetClass="entr" presetSubtype="0" fill="hold" nodeType="clickEffect">
                                   <p:stCondLst>
                                     <p:cond delay="0"/>
                                   </p:stCondLst>
                                   <p:childTnLst>
                                     <p:set>
                                       <p:cBhvr>
-                                        <p:cTn id="32" dur="1" fill="hold">
+                                        <p:cTn id="34" dur="1" fill="hold">
                                           <p:stCondLst>
                                             <p:cond delay="0"/>
                                           </p:stCondLst>
@@ -8108,26 +8465,26 @@
                     </p:cTn>
                   </p:par>
                   <p:par>
-                    <p:cTn id="33" fill="hold">
+                    <p:cTn id="35" fill="hold">
                       <p:stCondLst>
                         <p:cond delay="indefinite"/>
                       </p:stCondLst>
                       <p:childTnLst>
                         <p:par>
-                          <p:cTn id="34" fill="hold">
+                          <p:cTn id="36" fill="hold">
                             <p:stCondLst>
                               <p:cond delay="0"/>
                             </p:stCondLst>
                             <p:childTnLst>
                               <p:par>
-                                <p:cTn id="35" presetID="1" presetClass="entr" presetSubtype="0" fill="hold" nodeType="clickEffect">
+                                <p:cTn id="37" presetID="1" presetClass="entr" presetSubtype="0" fill="hold" nodeType="clickEffect">
                                   <p:stCondLst>
                                     <p:cond delay="0"/>
                                   </p:stCondLst>
                                   <p:childTnLst>
                                     <p:set>
                                       <p:cBhvr>
-                                        <p:cTn id="36" dur="1" fill="hold">
+                                        <p:cTn id="38" dur="1" fill="hold">
                                           <p:stCondLst>
                                             <p:cond delay="0"/>
                                           </p:stCondLst>
@@ -8157,26 +8514,26 @@
                     </p:cTn>
                   </p:par>
                   <p:par>
-                    <p:cTn id="37" fill="hold">
+                    <p:cTn id="39" fill="hold">
                       <p:stCondLst>
                         <p:cond delay="indefinite"/>
                       </p:stCondLst>
                       <p:childTnLst>
                         <p:par>
-                          <p:cTn id="38" fill="hold">
+                          <p:cTn id="40" fill="hold">
                             <p:stCondLst>
                               <p:cond delay="0"/>
                             </p:stCondLst>
                             <p:childTnLst>
                               <p:par>
-                                <p:cTn id="39" presetID="1" presetClass="entr" presetSubtype="0" fill="hold" nodeType="clickEffect">
+                                <p:cTn id="41" presetID="1" presetClass="entr" presetSubtype="0" fill="hold" nodeType="clickEffect">
                                   <p:stCondLst>
                                     <p:cond delay="0"/>
                                   </p:stCondLst>
                                   <p:childTnLst>
                                     <p:set>
                                       <p:cBhvr>
-                                        <p:cTn id="40" dur="1" fill="hold">
+                                        <p:cTn id="42" dur="1" fill="hold">
                                           <p:stCondLst>
                                             <p:cond delay="0"/>
                                           </p:stCondLst>
@@ -22528,224 +22885,6 @@
           <a:chExt cx="0" cy="0"/>
         </a:xfrm>
       </p:grpSpPr>
-      <p:pic>
-        <p:nvPicPr>
-          <p:cNvPr id="4" name="Image 3"/>
-          <p:cNvPicPr>
-            <a:picLocks noChangeAspect="1"/>
-          </p:cNvPicPr>
-          <p:nvPr/>
-        </p:nvPicPr>
-        <p:blipFill>
-          <a:blip r:embed="rId2" cstate="print">
-            <a:extLst>
-              <a:ext uri="{28A0092B-C50C-407E-A947-70E740481C1C}">
-                <a14:useLocalDpi xmlns:a14="http://schemas.microsoft.com/office/drawing/2010/main" val="0"/>
-              </a:ext>
-            </a:extLst>
-          </a:blip>
-          <a:stretch>
-            <a:fillRect/>
-          </a:stretch>
-        </p:blipFill>
-        <p:spPr>
-          <a:xfrm rot="16200000">
-            <a:off x="5983654" y="2173654"/>
-            <a:ext cx="224692" cy="9144000"/>
-          </a:xfrm>
-          <a:prstGeom prst="rect">
-            <a:avLst/>
-          </a:prstGeom>
-        </p:spPr>
-      </p:pic>
-      <p:sp>
-        <p:nvSpPr>
-          <p:cNvPr id="10" name="Espace réservé du texte 3"/>
-          <p:cNvSpPr txBox="1">
-            <a:spLocks/>
-          </p:cNvSpPr>
-          <p:nvPr/>
-        </p:nvSpPr>
-        <p:spPr>
-          <a:xfrm>
-            <a:off x="1909312" y="1637331"/>
-            <a:ext cx="4264327" cy="3902342"/>
-          </a:xfrm>
-          <a:prstGeom prst="rect">
-            <a:avLst/>
-          </a:prstGeom>
-        </p:spPr>
-        <p:txBody>
-          <a:bodyPr vert="horz" lIns="91440" tIns="45720" rIns="91440" bIns="45720" rtlCol="0" anchor="ctr"/>
-          <a:lstStyle>
-            <a:defPPr>
-              <a:defRPr lang="fr-FR"/>
-            </a:defPPr>
-            <a:lvl1pPr marL="0" algn="l" defTabSz="914400" rtl="0" eaLnBrk="1" latinLnBrk="0" hangingPunct="1">
-              <a:defRPr sz="1200" kern="1200">
-                <a:solidFill>
-                  <a:schemeClr val="tx1">
-                    <a:tint val="75000"/>
-                  </a:schemeClr>
-                </a:solidFill>
-                <a:latin typeface="+mn-lt"/>
-                <a:ea typeface="+mn-ea"/>
-                <a:cs typeface="+mn-cs"/>
-              </a:defRPr>
-            </a:lvl1pPr>
-            <a:lvl2pPr marL="457200" algn="l" defTabSz="914400" rtl="0" eaLnBrk="1" latinLnBrk="0" hangingPunct="1">
-              <a:defRPr sz="1800" kern="1200">
-                <a:solidFill>
-                  <a:schemeClr val="tx1"/>
-                </a:solidFill>
-                <a:latin typeface="+mn-lt"/>
-                <a:ea typeface="+mn-ea"/>
-                <a:cs typeface="+mn-cs"/>
-              </a:defRPr>
-            </a:lvl2pPr>
-            <a:lvl3pPr marL="914400" algn="l" defTabSz="914400" rtl="0" eaLnBrk="1" latinLnBrk="0" hangingPunct="1">
-              <a:defRPr sz="1800" kern="1200">
-                <a:solidFill>
-                  <a:schemeClr val="tx1"/>
-                </a:solidFill>
-                <a:latin typeface="+mn-lt"/>
-                <a:ea typeface="+mn-ea"/>
-                <a:cs typeface="+mn-cs"/>
-              </a:defRPr>
-            </a:lvl3pPr>
-            <a:lvl4pPr marL="1371600" algn="l" defTabSz="914400" rtl="0" eaLnBrk="1" latinLnBrk="0" hangingPunct="1">
-              <a:defRPr sz="1800" kern="1200">
-                <a:solidFill>
-                  <a:schemeClr val="tx1"/>
-                </a:solidFill>
-                <a:latin typeface="+mn-lt"/>
-                <a:ea typeface="+mn-ea"/>
-                <a:cs typeface="+mn-cs"/>
-              </a:defRPr>
-            </a:lvl4pPr>
-            <a:lvl5pPr marL="1828800" algn="l" defTabSz="914400" rtl="0" eaLnBrk="1" latinLnBrk="0" hangingPunct="1">
-              <a:defRPr sz="1800" kern="1200">
-                <a:solidFill>
-                  <a:schemeClr val="tx1"/>
-                </a:solidFill>
-                <a:latin typeface="+mn-lt"/>
-                <a:ea typeface="+mn-ea"/>
-                <a:cs typeface="+mn-cs"/>
-              </a:defRPr>
-            </a:lvl5pPr>
-            <a:lvl6pPr marL="2286000" algn="l" defTabSz="914400" rtl="0" eaLnBrk="1" latinLnBrk="0" hangingPunct="1">
-              <a:defRPr sz="1800" kern="1200">
-                <a:solidFill>
-                  <a:schemeClr val="tx1"/>
-                </a:solidFill>
-                <a:latin typeface="+mn-lt"/>
-                <a:ea typeface="+mn-ea"/>
-                <a:cs typeface="+mn-cs"/>
-              </a:defRPr>
-            </a:lvl6pPr>
-            <a:lvl7pPr marL="2743200" algn="l" defTabSz="914400" rtl="0" eaLnBrk="1" latinLnBrk="0" hangingPunct="1">
-              <a:defRPr sz="1800" kern="1200">
-                <a:solidFill>
-                  <a:schemeClr val="tx1"/>
-                </a:solidFill>
-                <a:latin typeface="+mn-lt"/>
-                <a:ea typeface="+mn-ea"/>
-                <a:cs typeface="+mn-cs"/>
-              </a:defRPr>
-            </a:lvl7pPr>
-            <a:lvl8pPr marL="3200400" algn="l" defTabSz="914400" rtl="0" eaLnBrk="1" latinLnBrk="0" hangingPunct="1">
-              <a:defRPr sz="1800" kern="1200">
-                <a:solidFill>
-                  <a:schemeClr val="tx1"/>
-                </a:solidFill>
-                <a:latin typeface="+mn-lt"/>
-                <a:ea typeface="+mn-ea"/>
-                <a:cs typeface="+mn-cs"/>
-              </a:defRPr>
-            </a:lvl8pPr>
-            <a:lvl9pPr marL="3657600" algn="l" defTabSz="914400" rtl="0" eaLnBrk="1" latinLnBrk="0" hangingPunct="1">
-              <a:defRPr sz="1800" kern="1200">
-                <a:solidFill>
-                  <a:schemeClr val="tx1"/>
-                </a:solidFill>
-                <a:latin typeface="+mn-lt"/>
-                <a:ea typeface="+mn-ea"/>
-                <a:cs typeface="+mn-cs"/>
-              </a:defRPr>
-            </a:lvl9pPr>
-          </a:lstStyle>
-          <a:p>
-            <a:r>
-              <a:rPr lang="fr-FR" sz="1600" dirty="0">
-                <a:solidFill>
-                  <a:schemeClr val="tx1">
-                    <a:lumMod val="75000"/>
-                    <a:lumOff val="25000"/>
-                  </a:schemeClr>
-                </a:solidFill>
-                <a:latin typeface="Open Sans" panose="020B0606030504020204" pitchFamily="34" charset="0"/>
-                <a:ea typeface="Open Sans" panose="020B0606030504020204" pitchFamily="34" charset="0"/>
-                <a:cs typeface="Open Sans" panose="020B0606030504020204" pitchFamily="34" charset="0"/>
-              </a:rPr>
-              <a:t>Corps de texte</a:t>
-            </a:r>
-          </a:p>
-          <a:p>
-            <a:pPr marL="571500" indent="-571500">
-              <a:buFont typeface="Arial" panose="020B0604020202020204" pitchFamily="34" charset="0"/>
-              <a:buChar char="•"/>
-            </a:pPr>
-            <a:endParaRPr lang="fr-FR" sz="1600" dirty="0">
-              <a:solidFill>
-                <a:schemeClr val="tx1">
-                  <a:lumMod val="75000"/>
-                  <a:lumOff val="25000"/>
-                </a:schemeClr>
-              </a:solidFill>
-              <a:latin typeface="Open Sans" panose="020B0606030504020204" pitchFamily="34" charset="0"/>
-              <a:ea typeface="Open Sans" panose="020B0606030504020204" pitchFamily="34" charset="0"/>
-              <a:cs typeface="Open Sans" panose="020B0606030504020204" pitchFamily="34" charset="0"/>
-            </a:endParaRPr>
-          </a:p>
-        </p:txBody>
-      </p:sp>
-      <p:sp>
-        <p:nvSpPr>
-          <p:cNvPr id="3" name="Title 2">
-            <a:extLst>
-              <a:ext uri="{FF2B5EF4-FFF2-40B4-BE49-F238E27FC236}">
-                <a16:creationId xmlns:a16="http://schemas.microsoft.com/office/drawing/2014/main" id="{3966F3F7-FD26-064D-B274-F9A1378A07D5}"/>
-              </a:ext>
-            </a:extLst>
-          </p:cNvPr>
-          <p:cNvSpPr>
-            <a:spLocks noGrp="1"/>
-          </p:cNvSpPr>
-          <p:nvPr>
-            <p:ph type="title"/>
-          </p:nvPr>
-        </p:nvSpPr>
-        <p:spPr/>
-        <p:txBody>
-          <a:bodyPr/>
-          <a:lstStyle/>
-          <a:p>
-            <a:r>
-              <a:rPr lang="en-US" dirty="0" smtClean="0">
-                <a:solidFill>
-                  <a:schemeClr val="tx2"/>
-                </a:solidFill>
-              </a:rPr>
-              <a:t>Déroulement du module</a:t>
-            </a:r>
-            <a:endParaRPr lang="en-US" dirty="0">
-              <a:solidFill>
-                <a:schemeClr val="tx2"/>
-              </a:solidFill>
-            </a:endParaRPr>
-          </a:p>
-        </p:txBody>
-      </p:sp>
       <p:sp>
         <p:nvSpPr>
           <p:cNvPr id="5" name="Content Placeholder 4">
@@ -22762,7 +22901,13 @@
             <p:ph idx="1"/>
           </p:nvPr>
         </p:nvSpPr>
-        <p:spPr/>
+        <p:spPr>
+          <a:xfrm>
+            <a:off x="623392" y="1556792"/>
+            <a:ext cx="10945216" cy="5140161"/>
+          </a:xfrm>
+          <a:noFill/>
+        </p:spPr>
         <p:txBody>
           <a:bodyPr/>
           <a:lstStyle/>
@@ -22808,9 +22953,120 @@
             <a:pPr lvl="1"/>
             <a:r>
               <a:rPr lang="fr-FR" dirty="0" smtClean="0"/>
-              <a:t>A définir définitivement</a:t>
+              <a:t>CM hybride synchrone</a:t>
             </a:r>
-            <a:endParaRPr lang="fr-FR" dirty="0"/>
+          </a:p>
+          <a:p>
+            <a:pPr lvl="1"/>
+            <a:r>
+              <a:rPr lang="fr-FR" dirty="0" smtClean="0"/>
+              <a:t>TD hybride </a:t>
+            </a:r>
+            <a:r>
+              <a:rPr lang="fr-FR" dirty="0" smtClean="0"/>
+              <a:t>asynchrone</a:t>
+            </a:r>
+          </a:p>
+          <a:p>
+            <a:pPr lvl="1"/>
+            <a:endParaRPr lang="fr-FR" dirty="0" smtClean="0"/>
+          </a:p>
+          <a:p>
+            <a:r>
+              <a:rPr lang="fr-FR" dirty="0" smtClean="0"/>
+              <a:t>Aide numérique</a:t>
+            </a:r>
+          </a:p>
+          <a:p>
+            <a:pPr lvl="1" algn="ctr"/>
+            <a:r>
+              <a:rPr lang="fr-FR" dirty="0">
+                <a:solidFill>
+                  <a:srgbClr val="FF0000"/>
+                </a:solidFill>
+              </a:rPr>
+              <a:t>a</a:t>
+            </a:r>
+            <a:r>
+              <a:rPr lang="fr-FR" dirty="0" smtClean="0">
+                <a:solidFill>
+                  <a:srgbClr val="FF0000"/>
+                </a:solidFill>
+              </a:rPr>
+              <a:t>ides.etudiant@universite-paris-saclay.fr</a:t>
+            </a:r>
+            <a:endParaRPr lang="fr-FR" dirty="0">
+              <a:solidFill>
+                <a:srgbClr val="FF0000"/>
+              </a:solidFill>
+            </a:endParaRPr>
+          </a:p>
+        </p:txBody>
+      </p:sp>
+      <p:pic>
+        <p:nvPicPr>
+          <p:cNvPr id="4" name="Image 3"/>
+          <p:cNvPicPr>
+            <a:picLocks noChangeAspect="1"/>
+          </p:cNvPicPr>
+          <p:nvPr/>
+        </p:nvPicPr>
+        <p:blipFill>
+          <a:blip r:embed="rId2" cstate="print">
+            <a:extLst>
+              <a:ext uri="{28A0092B-C50C-407E-A947-70E740481C1C}">
+                <a14:useLocalDpi xmlns:a14="http://schemas.microsoft.com/office/drawing/2010/main" val="0"/>
+              </a:ext>
+            </a:extLst>
+          </a:blip>
+          <a:stretch>
+            <a:fillRect/>
+          </a:stretch>
+        </p:blipFill>
+        <p:spPr>
+          <a:xfrm rot="16200000">
+            <a:off x="5983654" y="2173654"/>
+            <a:ext cx="224692" cy="9144000"/>
+          </a:xfrm>
+          <a:prstGeom prst="rect">
+            <a:avLst/>
+          </a:prstGeom>
+        </p:spPr>
+      </p:pic>
+      <p:sp>
+        <p:nvSpPr>
+          <p:cNvPr id="3" name="Title 2">
+            <a:extLst>
+              <a:ext uri="{FF2B5EF4-FFF2-40B4-BE49-F238E27FC236}">
+                <a16:creationId xmlns:a16="http://schemas.microsoft.com/office/drawing/2014/main" id="{3966F3F7-FD26-064D-B274-F9A1378A07D5}"/>
+              </a:ext>
+            </a:extLst>
+          </p:cNvPr>
+          <p:cNvSpPr>
+            <a:spLocks noGrp="1"/>
+          </p:cNvSpPr>
+          <p:nvPr>
+            <p:ph type="title"/>
+          </p:nvPr>
+        </p:nvSpPr>
+        <p:spPr/>
+        <p:txBody>
+          <a:bodyPr/>
+          <a:lstStyle/>
+          <a:p>
+            <a:r>
+              <a:rPr lang="en-US" dirty="0" smtClean="0">
+                <a:solidFill>
+                  <a:schemeClr val="tx2"/>
+                </a:solidFill>
+              </a:rPr>
+              <a:t>Déroulement du module</a:t>
+            </a:r>
+            <a:endParaRPr lang="en-US" dirty="0">
+              <a:solidFill>
+                <a:schemeClr val="tx2"/>
+              </a:solidFill>
+            </a:endParaRPr>
           </a:p>
         </p:txBody>
       </p:sp>
@@ -23031,41 +23287,21 @@
           <a:p>
             <a:r>
               <a:rPr lang="fr-FR" dirty="0" smtClean="0"/>
-              <a:t>Quizz en ligne </a:t>
+              <a:t>CC :</a:t>
             </a:r>
           </a:p>
           <a:p>
             <a:pPr lvl="1"/>
             <a:r>
               <a:rPr lang="fr-FR" dirty="0" smtClean="0"/>
-              <a:t>33% de la note de CC</a:t>
+              <a:t>1 CC sur table (S5)</a:t>
             </a:r>
           </a:p>
           <a:p>
             <a:pPr lvl="1"/>
             <a:r>
               <a:rPr lang="fr-FR" dirty="0" smtClean="0"/>
-              <a:t>1 par séance de TD</a:t>
-            </a:r>
-          </a:p>
-          <a:p>
-            <a:r>
-              <a:rPr lang="fr-FR" dirty="0" smtClean="0"/>
-              <a:t>CC sur table</a:t>
-            </a:r>
-          </a:p>
-          <a:p>
-            <a:pPr lvl="1"/>
-            <a:r>
-              <a:rPr lang="fr-FR" dirty="0" smtClean="0"/>
-              <a:t>2 CC sur table (S4 et S8)</a:t>
-            </a:r>
-          </a:p>
-          <a:p>
-            <a:pPr lvl="1"/>
-            <a:r>
-              <a:rPr lang="fr-FR" dirty="0" smtClean="0"/>
-              <a:t>67% de la note de CC</a:t>
+              <a:t>1 note de dossier transversal BAP</a:t>
             </a:r>
             <a:endParaRPr lang="fr-FR" dirty="0"/>
           </a:p>
@@ -23080,7 +23316,7 @@
         <p:spPr>
           <a:xfrm>
             <a:off x="5949696" y="1150102"/>
-            <a:ext cx="0" cy="4876800"/>
+            <a:ext cx="0" cy="4107698"/>
           </a:xfrm>
           <a:prstGeom prst="line">
             <a:avLst/>
@@ -23111,7 +23347,7 @@
         <p:spPr>
           <a:xfrm>
             <a:off x="5833872" y="1150102"/>
-            <a:ext cx="0" cy="4876800"/>
+            <a:ext cx="0" cy="4107698"/>
           </a:xfrm>
           <a:prstGeom prst="line">
             <a:avLst/>
@@ -25110,21 +25346,21 @@
             <a:pPr lvl="1"/>
             <a:r>
               <a:rPr lang="fr-FR" dirty="0" smtClean="0"/>
-              <a:t>CM5 : Statique complète</a:t>
+              <a:t>CM6 : Statique complète</a:t>
             </a:r>
           </a:p>
           <a:p>
             <a:pPr lvl="1"/>
             <a:r>
               <a:rPr lang="fr-FR" dirty="0" smtClean="0"/>
-              <a:t>CM6 : Principe Fondamental de la Dynamique et chute libre</a:t>
+              <a:t>CM7 : Principe Fondamental de la Dynamique et chute libre</a:t>
             </a:r>
           </a:p>
           <a:p>
             <a:pPr lvl="1"/>
             <a:r>
               <a:rPr lang="fr-FR" dirty="0" smtClean="0"/>
-              <a:t>CM7 : Révision pour partiel</a:t>
+              <a:t>CM8 : Révision pour partiel</a:t>
             </a:r>
             <a:endParaRPr lang="fr-FR" dirty="0"/>
           </a:p>
@@ -25650,8 +25886,8 @@
           </a:p>
         </p:txBody>
       </p:sp>
-      <mc:AlternateContent xmlns:mc="http://schemas.openxmlformats.org/markup-compatibility/2006">
-        <mc:Choice xmlns:a14="http://schemas.microsoft.com/office/drawing/2010/main" Requires="a14">
+      <mc:AlternateContent xmlns:mc="http://schemas.openxmlformats.org/markup-compatibility/2006" xmlns:a14="http://schemas.microsoft.com/office/drawing/2010/main">
+        <mc:Choice Requires="a14">
           <p:sp>
             <p:nvSpPr>
               <p:cNvPr id="5" name="Content Placeholder 4">
@@ -25706,11 +25942,7 @@
               <a:p>
                 <a:r>
                   <a:rPr lang="fr-FR" dirty="0" smtClean="0"/>
-                  <a:t>Définition </a:t>
-                </a:r>
-                <a:r>
-                  <a:rPr lang="fr-FR" dirty="0" smtClean="0"/>
-                  <a:t>d’une base orthonormée:</a:t>
+                  <a:t>Définition d’une base orthonormée:</a:t>
                 </a:r>
               </a:p>
               <a:p>
@@ -25884,7 +26116,7 @@
             </p:txBody>
           </p:sp>
         </mc:Choice>
-        <mc:Fallback>
+        <mc:Fallback xmlns="">
           <p:sp>
             <p:nvSpPr>
               <p:cNvPr id="5" name="Content Placeholder 4">
